--- a/T4. Asynchronous programming/Multiprocessing/Demo.pptx
+++ b/T4. Asynchronous programming/Multiprocessing/Demo.pptx
@@ -211,7 +211,7 @@
           <a:p>
             <a:fld id="{C6576F63-835E-46F5-AEB3-90A06FD74112}" type="datetimeFigureOut">
               <a:rPr lang="en-US" smtClean="0"/>
-              <a:t>8/27/2018</a:t>
+              <a:t>8/28/2018</a:t>
             </a:fld>
             <a:endParaRPr lang="en-US"/>
           </a:p>
@@ -6831,7 +6831,7 @@
         <p:spPr>
           <a:xfrm>
             <a:off x="662608" y="1118008"/>
-            <a:ext cx="11529392" cy="4616648"/>
+            <a:ext cx="11529392" cy="3970318"/>
           </a:xfrm>
           <a:prstGeom prst="rect">
             <a:avLst/>
@@ -6971,24 +6971,7 @@
                   <a:srgbClr val="000000"/>
                 </a:solidFill>
               </a:rPr>
-              <a:t>sharing.</a:t>
-            </a:r>
-          </a:p>
-          <a:p>
-            <a:pPr marL="457200" indent="-457200">
-              <a:lnSpc>
-                <a:spcPct val="150000"/>
-              </a:lnSpc>
-              <a:buFont typeface="Arial" panose="020B0604020202020204" pitchFamily="34" charset="0"/>
-              <a:buChar char="•"/>
-            </a:pPr>
-            <a:r>
-              <a:rPr lang="en-US" sz="2800" dirty="0" err="1" smtClean="0">
-                <a:solidFill>
-                  <a:srgbClr val="000000"/>
-                </a:solidFill>
-              </a:rPr>
-              <a:t>CPython</a:t>
+              <a:t>sharing</a:t>
             </a:r>
             <a:r>
               <a:rPr lang="en-US" sz="2800" dirty="0" smtClean="0">
@@ -6996,15 +6979,7 @@
                   <a:srgbClr val="000000"/>
                 </a:solidFill>
               </a:rPr>
-              <a:t> </a:t>
-            </a:r>
-            <a:r>
-              <a:rPr lang="en-US" sz="2800" dirty="0">
-                <a:solidFill>
-                  <a:srgbClr val="000000"/>
-                </a:solidFill>
-              </a:rPr>
-              <a:t>only</a:t>
+              <a:t>.</a:t>
             </a:r>
             <a:r>
               <a:rPr lang="en-US" sz="2800" dirty="0"/>

--- a/T4. Asynchronous programming/Multiprocessing/Demo.pptx
+++ b/T4. Asynchronous programming/Multiprocessing/Demo.pptx
@@ -211,7 +211,7 @@
           <a:p>
             <a:fld id="{C6576F63-835E-46F5-AEB3-90A06FD74112}" type="datetimeFigureOut">
               <a:rPr lang="en-US" smtClean="0"/>
-              <a:t>8/28/2018</a:t>
+              <a:t>08/30/18</a:t>
             </a:fld>
             <a:endParaRPr lang="en-US"/>
           </a:p>
@@ -523,7 +523,7 @@
           <a:lstStyle/>
           <a:p>
             <a:r>
-              <a:rPr lang="en-US" sz="1200" b="0" i="0" kern="1200" dirty="0" smtClean="0">
+              <a:rPr lang="en-US" sz="1200" b="0" i="0" kern="1200" dirty="0">
                 <a:solidFill>
                   <a:schemeClr val="tx1"/>
                 </a:solidFill>
@@ -535,11 +535,11 @@
               <a:t>Python does not use “green threads”. It has real threads. OS Ones. Stop saying it doesn’t.</a:t>
             </a:r>
             <a:r>
-              <a:rPr lang="en-US" dirty="0" smtClean="0"/>
+              <a:rPr lang="en-US" dirty="0"/>
               <a:t> </a:t>
             </a:r>
             <a:br>
-              <a:rPr lang="en-US" dirty="0" smtClean="0"/>
+              <a:rPr lang="en-US" dirty="0"/>
             </a:br>
             <a:endParaRPr lang="en-US" dirty="0"/>
           </a:p>
@@ -3921,11 +3921,7 @@
           <a:p>
             <a:r>
               <a:rPr lang="en-US" dirty="0"/>
-              <a:t>Asynchronous </a:t>
-            </a:r>
-            <a:r>
-              <a:rPr lang="en-US" dirty="0" smtClean="0"/>
-              <a:t>programming. Multiprocessing</a:t>
+              <a:t>Asynchronous programming. Multiprocessing</a:t>
             </a:r>
             <a:endParaRPr lang="ru-RU" dirty="0"/>
           </a:p>
@@ -4109,15 +4105,7 @@
                   <a:srgbClr val="000000"/>
                 </a:solidFill>
               </a:rPr>
-              <a:t>multiprocessing includes 2 Queue implementations </a:t>
-            </a:r>
-            <a:r>
-              <a:rPr lang="en-US" sz="2800" dirty="0" smtClean="0">
-                <a:solidFill>
-                  <a:srgbClr val="000000"/>
-                </a:solidFill>
-              </a:rPr>
-              <a:t>– Queue and </a:t>
+              <a:t>multiprocessing includes 2 Queue implementations – Queue and </a:t>
             </a:r>
             <a:r>
               <a:rPr lang="en-US" sz="2800" dirty="0" err="1">
@@ -4145,23 +4133,15 @@
               <a:buChar char="•"/>
             </a:pPr>
             <a:r>
-              <a:rPr lang="en-US" sz="2800" dirty="0" smtClean="0">
-                <a:solidFill>
-                  <a:srgbClr val="000000"/>
-                </a:solidFill>
-              </a:rPr>
-              <a:t>Queue </a:t>
-            </a:r>
-            <a:r>
               <a:rPr lang="en-US" sz="2800" dirty="0">
                 <a:solidFill>
                   <a:srgbClr val="000000"/>
                 </a:solidFill>
               </a:rPr>
-              <a:t>is modeled after </a:t>
-            </a:r>
-            <a:r>
-              <a:rPr lang="en-US" sz="2800" dirty="0" err="1" smtClean="0">
+              <a:t>Queue is modeled after </a:t>
+            </a:r>
+            <a:r>
+              <a:rPr lang="en-US" sz="2800" dirty="0" err="1">
                 <a:solidFill>
                   <a:srgbClr val="000000"/>
                 </a:solidFill>
@@ -4169,44 +4149,12 @@
               <a:t>Queue.Queue</a:t>
             </a:r>
             <a:r>
-              <a:rPr lang="en-US" sz="2800" dirty="0" smtClean="0">
-                <a:solidFill>
-                  <a:srgbClr val="000000"/>
-                </a:solidFill>
-              </a:rPr>
-              <a:t> </a:t>
-            </a:r>
-            <a:r>
               <a:rPr lang="en-US" sz="2800" dirty="0">
                 <a:solidFill>
                   <a:srgbClr val="000000"/>
                 </a:solidFill>
               </a:rPr>
-              <a:t>but uses </a:t>
-            </a:r>
-            <a:r>
-              <a:rPr lang="en-US" sz="2800" dirty="0" smtClean="0">
-                <a:solidFill>
-                  <a:srgbClr val="000000"/>
-                </a:solidFill>
-              </a:rPr>
-              <a:t>pipes underneath </a:t>
-            </a:r>
-            <a:r>
-              <a:rPr lang="en-US" sz="2800" dirty="0">
-                <a:solidFill>
-                  <a:srgbClr val="000000"/>
-                </a:solidFill>
-              </a:rPr>
-              <a:t>to transmit the </a:t>
-            </a:r>
-            <a:r>
-              <a:rPr lang="en-US" sz="2800" dirty="0" smtClean="0">
-                <a:solidFill>
-                  <a:srgbClr val="000000"/>
-                </a:solidFill>
-              </a:rPr>
-              <a:t>data.</a:t>
+              <a:t> but uses pipes underneath to transmit the data.</a:t>
             </a:r>
           </a:p>
           <a:p>
@@ -4218,7 +4166,7 @@
               <a:buChar char="•"/>
             </a:pPr>
             <a:r>
-              <a:rPr lang="en-US" sz="2800" dirty="0" err="1" smtClean="0">
+              <a:rPr lang="en-US" sz="2800" dirty="0" err="1">
                 <a:solidFill>
                   <a:srgbClr val="000000"/>
                 </a:solidFill>
@@ -4226,28 +4174,20 @@
               <a:t>JoinableQueue</a:t>
             </a:r>
             <a:r>
-              <a:rPr lang="en-US" sz="2800" dirty="0" smtClean="0">
-                <a:solidFill>
-                  <a:srgbClr val="000000"/>
-                </a:solidFill>
-              </a:rPr>
-              <a:t> </a:t>
-            </a:r>
-            <a:r>
               <a:rPr lang="en-US" sz="2800" dirty="0">
                 <a:solidFill>
                   <a:srgbClr val="000000"/>
                 </a:solidFill>
               </a:rPr>
-              <a:t>is the same as Queue except it adds a .join</a:t>
-            </a:r>
-            <a:r>
-              <a:rPr lang="en-US" sz="2800" dirty="0" smtClean="0">
-                <a:solidFill>
-                  <a:srgbClr val="000000"/>
-                </a:solidFill>
-              </a:rPr>
-              <a:t>() method </a:t>
+              <a:t> is the same as Queue except it adds a .join() method and .</a:t>
+            </a:r>
+            <a:r>
+              <a:rPr lang="en-US" sz="2800" dirty="0" err="1">
+                <a:solidFill>
+                  <a:srgbClr val="000000"/>
+                </a:solidFill>
+              </a:rPr>
+              <a:t>task_done</a:t>
             </a:r>
             <a:r>
               <a:rPr lang="en-US" sz="2800" dirty="0">
@@ -4255,51 +4195,7 @@
                   <a:srgbClr val="000000"/>
                 </a:solidFill>
               </a:rPr>
-              <a:t>and .</a:t>
-            </a:r>
-            <a:r>
-              <a:rPr lang="en-US" sz="2800" dirty="0" err="1">
-                <a:solidFill>
-                  <a:srgbClr val="000000"/>
-                </a:solidFill>
-              </a:rPr>
-              <a:t>task_done</a:t>
-            </a:r>
-            <a:r>
-              <a:rPr lang="en-US" sz="2800" dirty="0">
-                <a:solidFill>
-                  <a:srgbClr val="000000"/>
-                </a:solidFill>
-              </a:rPr>
-              <a:t>() ala Queue</a:t>
-            </a:r>
-            <a:r>
-              <a:rPr lang="en-US" sz="2800" dirty="0" smtClean="0">
-                <a:solidFill>
-                  <a:srgbClr val="000000"/>
-                </a:solidFill>
-              </a:rPr>
-              <a:t>. Use queue module </a:t>
-            </a:r>
-            <a:r>
-              <a:rPr lang="en-US" sz="2800" dirty="0">
-                <a:solidFill>
-                  <a:srgbClr val="000000"/>
-                </a:solidFill>
-              </a:rPr>
-              <a:t>in python </a:t>
-            </a:r>
-            <a:r>
-              <a:rPr lang="en-US" sz="2800" dirty="0" smtClean="0">
-                <a:solidFill>
-                  <a:srgbClr val="000000"/>
-                </a:solidFill>
-              </a:rPr>
-              <a:t>3.6.</a:t>
-            </a:r>
-            <a:r>
-              <a:rPr lang="en-US" sz="2800" dirty="0"/>
-              <a:t/>
+              <a:t>() ala Queue. Use queue module in python 3.6.</a:t>
             </a:r>
             <a:br>
               <a:rPr lang="en-US" sz="2800" dirty="0"/>
@@ -4402,31 +4298,7 @@
                   <a:srgbClr val="000000"/>
                 </a:solidFill>
               </a:rPr>
-              <a:t>The first is that if you call .terminate or kill a process which </a:t>
-            </a:r>
-            <a:r>
-              <a:rPr lang="en-US" sz="2800" dirty="0" smtClean="0">
-                <a:solidFill>
-                  <a:srgbClr val="000000"/>
-                </a:solidFill>
-              </a:rPr>
-              <a:t>is currently </a:t>
-            </a:r>
-            <a:r>
-              <a:rPr lang="en-US" sz="2800" dirty="0">
-                <a:solidFill>
-                  <a:srgbClr val="000000"/>
-                </a:solidFill>
-              </a:rPr>
-              <a:t>accessing a queue: that queue may become </a:t>
-            </a:r>
-            <a:r>
-              <a:rPr lang="en-US" sz="2800" dirty="0" smtClean="0">
-                <a:solidFill>
-                  <a:srgbClr val="000000"/>
-                </a:solidFill>
-              </a:rPr>
-              <a:t>corrupted.</a:t>
+              <a:t>The first is that if you call .terminate or kill a process which is currently accessing a queue: that queue may become corrupted.</a:t>
             </a:r>
           </a:p>
           <a:p>
@@ -4438,60 +4310,12 @@
               <a:buChar char="•"/>
             </a:pPr>
             <a:r>
-              <a:rPr lang="en-US" sz="2800" dirty="0" smtClean="0">
-                <a:solidFill>
-                  <a:srgbClr val="000000"/>
-                </a:solidFill>
-              </a:rPr>
-              <a:t>The </a:t>
-            </a:r>
-            <a:r>
               <a:rPr lang="en-US" sz="2800" dirty="0">
                 <a:solidFill>
                   <a:srgbClr val="000000"/>
                 </a:solidFill>
               </a:rPr>
-              <a:t>second is that any Queue that a Process has put data </a:t>
-            </a:r>
-            <a:r>
-              <a:rPr lang="en-US" sz="2800" dirty="0" smtClean="0">
-                <a:solidFill>
-                  <a:srgbClr val="000000"/>
-                </a:solidFill>
-              </a:rPr>
-              <a:t>on must </a:t>
-            </a:r>
-            <a:r>
-              <a:rPr lang="en-US" sz="2800" dirty="0">
-                <a:solidFill>
-                  <a:srgbClr val="000000"/>
-                </a:solidFill>
-              </a:rPr>
-              <a:t>be drained prior to joining the processes which have </a:t>
-            </a:r>
-            <a:r>
-              <a:rPr lang="en-US" sz="2800" dirty="0" smtClean="0">
-                <a:solidFill>
-                  <a:srgbClr val="000000"/>
-                </a:solidFill>
-              </a:rPr>
-              <a:t>put data </a:t>
-            </a:r>
-            <a:r>
-              <a:rPr lang="en-US" sz="2800" dirty="0">
-                <a:solidFill>
-                  <a:srgbClr val="000000"/>
-                </a:solidFill>
-              </a:rPr>
-              <a:t>there: otherwise, you’ll get a deadlock</a:t>
-            </a:r>
-            <a:r>
-              <a:rPr lang="en-US" sz="2800" dirty="0" smtClean="0">
-                <a:solidFill>
-                  <a:srgbClr val="000000"/>
-                </a:solidFill>
-              </a:rPr>
-              <a:t>.</a:t>
+              <a:t>The second is that any Queue that a Process has put data on must be drained prior to joining the processes which have put data there: otherwise, you’ll get a deadlock.</a:t>
             </a:r>
           </a:p>
           <a:p>
@@ -4503,20 +4327,12 @@
               <a:buChar char="•"/>
             </a:pPr>
             <a:r>
-              <a:rPr lang="en-US" sz="2800" dirty="0" smtClean="0">
-                <a:solidFill>
-                  <a:srgbClr val="000000"/>
-                </a:solidFill>
-              </a:rPr>
-              <a:t>Avoid </a:t>
-            </a:r>
-            <a:r>
               <a:rPr lang="en-US" sz="2800" dirty="0">
                 <a:solidFill>
                   <a:srgbClr val="000000"/>
                 </a:solidFill>
               </a:rPr>
-              <a:t>this by calling </a:t>
+              <a:t>Avoid this by calling </a:t>
             </a:r>
             <a:r>
               <a:rPr lang="en-US" sz="2800" dirty="0" err="1">
@@ -4532,31 +4348,7 @@
                   <a:srgbClr val="000000"/>
                 </a:solidFill>
               </a:rPr>
-              <a:t>() </a:t>
-            </a:r>
-            <a:r>
-              <a:rPr lang="en-US" sz="2800" dirty="0" smtClean="0">
-                <a:solidFill>
-                  <a:srgbClr val="000000"/>
-                </a:solidFill>
-              </a:rPr>
-              <a:t>in the </a:t>
-            </a:r>
-            <a:r>
-              <a:rPr lang="en-US" sz="2800" dirty="0">
-                <a:solidFill>
-                  <a:srgbClr val="000000"/>
-                </a:solidFill>
-              </a:rPr>
-              <a:t>child </a:t>
-            </a:r>
-            <a:r>
-              <a:rPr lang="en-US" sz="2800" dirty="0" smtClean="0">
-                <a:solidFill>
-                  <a:srgbClr val="000000"/>
-                </a:solidFill>
-              </a:rPr>
-              <a:t>process.</a:t>
+              <a:t>() in the child process.</a:t>
             </a:r>
           </a:p>
           <a:p>
@@ -4568,28 +4360,20 @@
               <a:buChar char="•"/>
             </a:pPr>
             <a:r>
-              <a:rPr lang="en-US" sz="2800" dirty="0" smtClean="0">
-                <a:solidFill>
-                  <a:srgbClr val="000000"/>
-                </a:solidFill>
-              </a:rPr>
-              <a:t>Or </a:t>
-            </a:r>
-            <a:r>
               <a:rPr lang="en-US" sz="2800" dirty="0">
                 <a:solidFill>
                   <a:srgbClr val="000000"/>
                 </a:solidFill>
               </a:rPr>
-              <a:t>just eat everything on the results pipe before </a:t>
-            </a:r>
-            <a:r>
-              <a:rPr lang="en-US" sz="2800" dirty="0" smtClean="0">
-                <a:solidFill>
-                  <a:srgbClr val="000000"/>
-                </a:solidFill>
-              </a:rPr>
-              <a:t>calling join </a:t>
+              <a:t>Or just eat everything on the results pipe before calling join (e.g. </a:t>
+            </a:r>
+            <a:r>
+              <a:rPr lang="en-US" sz="2800" dirty="0" err="1">
+                <a:solidFill>
+                  <a:srgbClr val="000000"/>
+                </a:solidFill>
+              </a:rPr>
+              <a:t>work_queue</a:t>
             </a:r>
             <a:r>
               <a:rPr lang="en-US" sz="2800" dirty="0">
@@ -4597,7 +4381,7 @@
                   <a:srgbClr val="000000"/>
                 </a:solidFill>
               </a:rPr>
-              <a:t>(e.g. </a:t>
+              <a:t>, </a:t>
             </a:r>
             <a:r>
               <a:rPr lang="en-US" sz="2800" dirty="0" err="1">
@@ -4605,7 +4389,7 @@
                   <a:srgbClr val="000000"/>
                 </a:solidFill>
               </a:rPr>
-              <a:t>work_queue</a:t>
+              <a:t>results_queue</a:t>
             </a:r>
             <a:r>
               <a:rPr lang="en-US" sz="2800" dirty="0">
@@ -4613,27 +4397,7 @@
                   <a:srgbClr val="000000"/>
                 </a:solidFill>
               </a:rPr>
-              <a:t>, </a:t>
-            </a:r>
-            <a:r>
-              <a:rPr lang="en-US" sz="2800" dirty="0" err="1">
-                <a:solidFill>
-                  <a:srgbClr val="000000"/>
-                </a:solidFill>
-              </a:rPr>
-              <a:t>results_queue</a:t>
-            </a:r>
-            <a:r>
-              <a:rPr lang="en-US" sz="2800" dirty="0">
-                <a:solidFill>
-                  <a:srgbClr val="000000"/>
-                </a:solidFill>
-              </a:rPr>
               <a:t>)</a:t>
-            </a:r>
-            <a:r>
-              <a:rPr lang="en-US" sz="2800" dirty="0"/>
-              <a:t/>
             </a:r>
             <a:br>
               <a:rPr lang="en-US" sz="2800" dirty="0"/>
@@ -4736,15 +4500,7 @@
                   <a:srgbClr val="000000"/>
                 </a:solidFill>
               </a:rPr>
-              <a:t>Multiprocessing supports communication primitives</a:t>
-            </a:r>
-            <a:r>
-              <a:rPr lang="en-US" sz="2800" dirty="0" smtClean="0">
-                <a:solidFill>
-                  <a:srgbClr val="000000"/>
-                </a:solidFill>
-              </a:rPr>
-              <a:t>.</a:t>
+              <a:t>Multiprocessing supports communication primitives.</a:t>
             </a:r>
           </a:p>
           <a:p>
@@ -4756,7 +4512,7 @@
               <a:buChar char="•"/>
             </a:pPr>
             <a:r>
-              <a:rPr lang="en-US" sz="2800" dirty="0" smtClean="0">
+              <a:rPr lang="en-US" sz="2800" dirty="0">
                 <a:solidFill>
                   <a:srgbClr val="000000"/>
                 </a:solidFill>
@@ -4777,31 +4533,7 @@
                   <a:srgbClr val="000000"/>
                 </a:solidFill>
               </a:rPr>
-              <a:t>(), which returns a pair of </a:t>
-            </a:r>
-            <a:r>
-              <a:rPr lang="en-US" sz="2800" dirty="0" smtClean="0">
-                <a:solidFill>
-                  <a:srgbClr val="000000"/>
-                </a:solidFill>
-              </a:rPr>
-              <a:t>Connection objects </a:t>
-            </a:r>
-            <a:r>
-              <a:rPr lang="en-US" sz="2800" dirty="0">
-                <a:solidFill>
-                  <a:srgbClr val="000000"/>
-                </a:solidFill>
-              </a:rPr>
-              <a:t>which represent the ends of the </a:t>
-            </a:r>
-            <a:r>
-              <a:rPr lang="en-US" sz="2800" dirty="0" smtClean="0">
-                <a:solidFill>
-                  <a:srgbClr val="000000"/>
-                </a:solidFill>
-              </a:rPr>
-              <a:t>pipe.</a:t>
+              <a:t>(), which returns a pair of Connection objects which represent the ends of the pipe.</a:t>
             </a:r>
           </a:p>
           <a:p>
@@ -4813,28 +4545,12 @@
               <a:buChar char="•"/>
             </a:pPr>
             <a:r>
-              <a:rPr lang="en-US" sz="2800" dirty="0" smtClean="0">
-                <a:solidFill>
-                  <a:srgbClr val="000000"/>
-                </a:solidFill>
-              </a:rPr>
-              <a:t>The </a:t>
-            </a:r>
-            <a:r>
               <a:rPr lang="en-US" sz="2800" dirty="0">
                 <a:solidFill>
                   <a:srgbClr val="000000"/>
                 </a:solidFill>
               </a:rPr>
-              <a:t>data sent on the connection must be </a:t>
-            </a:r>
-            <a:r>
-              <a:rPr lang="en-US" sz="2800" dirty="0" smtClean="0">
-                <a:solidFill>
-                  <a:srgbClr val="000000"/>
-                </a:solidFill>
-              </a:rPr>
-              <a:t>pickle-able.</a:t>
+              <a:t>The data sent on the connection must be pickle-able.</a:t>
             </a:r>
           </a:p>
           <a:p>
@@ -4846,31 +4562,15 @@
               <a:buChar char="•"/>
             </a:pPr>
             <a:r>
-              <a:rPr lang="en-US" sz="2800" dirty="0" smtClean="0">
-                <a:solidFill>
-                  <a:srgbClr val="000000"/>
-                </a:solidFill>
-              </a:rPr>
-              <a:t>Multiprocessing </a:t>
-            </a:r>
-            <a:r>
               <a:rPr lang="en-US" sz="2800" dirty="0">
                 <a:solidFill>
                   <a:srgbClr val="000000"/>
                 </a:solidFill>
               </a:rPr>
-              <a:t>has clones of all of the threading </a:t>
-            </a:r>
-            <a:r>
-              <a:rPr lang="en-US" sz="2800" dirty="0" smtClean="0">
-                <a:solidFill>
-                  <a:srgbClr val="000000"/>
-                </a:solidFill>
-              </a:rPr>
-              <a:t>modules lock/</a:t>
-            </a:r>
-            <a:r>
-              <a:rPr lang="en-US" sz="2800" dirty="0" err="1" smtClean="0">
+              <a:t>Multiprocessing has clones of all of the threading modules lock/</a:t>
+            </a:r>
+            <a:r>
+              <a:rPr lang="en-US" sz="2800" dirty="0" err="1">
                 <a:solidFill>
                   <a:srgbClr val="000000"/>
                 </a:solidFill>
@@ -4883,15 +4583,7 @@
                   <a:srgbClr val="000000"/>
                 </a:solidFill>
               </a:rPr>
-              <a:t>, Event, Condition and semaphore </a:t>
-            </a:r>
-            <a:r>
-              <a:rPr lang="en-US" sz="2800" dirty="0" smtClean="0">
-                <a:solidFill>
-                  <a:srgbClr val="000000"/>
-                </a:solidFill>
-              </a:rPr>
-              <a:t>objects.</a:t>
+              <a:t>, Event, Condition and semaphore objects.</a:t>
             </a:r>
           </a:p>
           <a:p>
@@ -4903,20 +4595,12 @@
               <a:buChar char="•"/>
             </a:pPr>
             <a:r>
-              <a:rPr lang="en-US" sz="2800" dirty="0" smtClean="0">
-                <a:solidFill>
-                  <a:srgbClr val="000000"/>
-                </a:solidFill>
-              </a:rPr>
-              <a:t>Most </a:t>
-            </a:r>
-            <a:r>
               <a:rPr lang="en-US" sz="2800" dirty="0">
                 <a:solidFill>
                   <a:srgbClr val="000000"/>
                 </a:solidFill>
               </a:rPr>
-              <a:t>of these support timeout arguments, too!</a:t>
+              <a:t>Most of these support timeout arguments, too!</a:t>
             </a:r>
             <a:endParaRPr lang="en-US" sz="2800" dirty="0"/>
           </a:p>
@@ -5019,7 +4703,7 @@
               <a:t>Multiprocessing has a </a:t>
             </a:r>
             <a:r>
-              <a:rPr lang="en-US" sz="2400" dirty="0" err="1" smtClean="0">
+              <a:rPr lang="en-US" sz="2400" dirty="0" err="1">
                 <a:solidFill>
                   <a:srgbClr val="000000"/>
                 </a:solidFill>
@@ -5027,20 +4711,12 @@
               <a:t>sharedctypes</a:t>
             </a:r>
             <a:r>
-              <a:rPr lang="en-US" sz="2400" dirty="0" smtClean="0">
-                <a:solidFill>
-                  <a:srgbClr val="000000"/>
-                </a:solidFill>
-              </a:rPr>
-              <a:t> module</a:t>
-            </a:r>
-            <a:r>
               <a:rPr lang="en-US" sz="2400" dirty="0">
                 <a:solidFill>
                   <a:srgbClr val="000000"/>
                 </a:solidFill>
               </a:rPr>
-              <a:t>.</a:t>
+              <a:t> module.</a:t>
             </a:r>
           </a:p>
           <a:p>
@@ -5052,31 +4728,15 @@
               <a:buChar char="•"/>
             </a:pPr>
             <a:r>
-              <a:rPr lang="en-US" sz="2400" dirty="0" smtClean="0">
-                <a:solidFill>
-                  <a:srgbClr val="000000"/>
-                </a:solidFill>
-              </a:rPr>
-              <a:t>This </a:t>
-            </a:r>
-            <a:r>
               <a:rPr lang="en-US" sz="2400" dirty="0">
                 <a:solidFill>
                   <a:srgbClr val="000000"/>
                 </a:solidFill>
               </a:rPr>
-              <a:t>module allows you to create </a:t>
-            </a:r>
-            <a:r>
-              <a:rPr lang="en-US" sz="2400" dirty="0" smtClean="0">
-                <a:solidFill>
-                  <a:srgbClr val="000000"/>
-                </a:solidFill>
-              </a:rPr>
-              <a:t>a </a:t>
-            </a:r>
-            <a:r>
-              <a:rPr lang="en-US" sz="2400" dirty="0" err="1" smtClean="0">
+              <a:t>This module allows you to create a </a:t>
+            </a:r>
+            <a:r>
+              <a:rPr lang="en-US" sz="2400" dirty="0" err="1">
                 <a:solidFill>
                   <a:srgbClr val="000000"/>
                 </a:solidFill>
@@ -5084,44 +4744,12 @@
               <a:t>ctypes</a:t>
             </a:r>
             <a:r>
-              <a:rPr lang="en-US" sz="2400" dirty="0" smtClean="0">
-                <a:solidFill>
-                  <a:srgbClr val="000000"/>
-                </a:solidFill>
-              </a:rPr>
-              <a:t> </a:t>
-            </a:r>
-            <a:r>
               <a:rPr lang="en-US" sz="2400" dirty="0">
                 <a:solidFill>
                   <a:srgbClr val="000000"/>
                 </a:solidFill>
               </a:rPr>
-              <a:t>object in shared </a:t>
-            </a:r>
-            <a:r>
-              <a:rPr lang="en-US" sz="2400" dirty="0" smtClean="0">
-                <a:solidFill>
-                  <a:srgbClr val="000000"/>
-                </a:solidFill>
-              </a:rPr>
-              <a:t>memory and </a:t>
-            </a:r>
-            <a:r>
-              <a:rPr lang="en-US" sz="2400" dirty="0">
-                <a:solidFill>
-                  <a:srgbClr val="000000"/>
-                </a:solidFill>
-              </a:rPr>
-              <a:t>share it with other </a:t>
-            </a:r>
-            <a:r>
-              <a:rPr lang="en-US" sz="2400" dirty="0" smtClean="0">
-                <a:solidFill>
-                  <a:srgbClr val="000000"/>
-                </a:solidFill>
-              </a:rPr>
-              <a:t>processes.</a:t>
+              <a:t> object in shared memory and share it with other processes.</a:t>
             </a:r>
           </a:p>
           <a:p>
@@ -5142,37 +4770,8 @@
             </a:r>
             <a:r>
               <a:rPr lang="en-US" sz="2400" dirty="0"/>
-              <a:t> module </a:t>
-            </a:r>
-            <a:r>
-              <a:rPr lang="en-US" sz="2400" dirty="0" smtClean="0"/>
-              <a:t>offers some </a:t>
-            </a:r>
-            <a:r>
-              <a:rPr lang="en-US" sz="2400" dirty="0"/>
-              <a:t>safety through the </a:t>
-            </a:r>
-            <a:r>
-              <a:rPr lang="en-US" sz="2400" dirty="0" smtClean="0"/>
-              <a:t>use allocation </a:t>
-            </a:r>
-            <a:r>
-              <a:rPr lang="en-US" sz="2400" dirty="0"/>
-              <a:t>of locks which </a:t>
-            </a:r>
-            <a:r>
-              <a:rPr lang="en-US" sz="2400" dirty="0" smtClean="0"/>
-              <a:t>prevent simultaneous accessing modification </a:t>
-            </a:r>
-            <a:r>
-              <a:rPr lang="en-US" sz="2400" dirty="0"/>
-              <a:t>of the shared </a:t>
-            </a:r>
-            <a:r>
-              <a:rPr lang="en-US" sz="2400" dirty="0" smtClean="0"/>
-              <a:t>objects.</a:t>
-            </a:r>
-            <a:endParaRPr lang="en-US" sz="2400" dirty="0"/>
+              <a:t> module offers some safety through the use allocation of locks which prevent simultaneous accessing modification of the shared objects.</a:t>
+            </a:r>
           </a:p>
         </p:txBody>
       </p:sp>
@@ -5392,33 +4991,22 @@
                 <a:latin typeface="Courier New" panose="02070309020205020404" pitchFamily="49" charset="0"/>
                 <a:cs typeface="Courier New" panose="02070309020205020404" pitchFamily="49" charset="0"/>
               </a:rPr>
-              <a:t>p</a:t>
-            </a:r>
-            <a:r>
-              <a:rPr lang="en-US" sz="2000" dirty="0" smtClean="0">
+              <a:t>print(</a:t>
+            </a:r>
+            <a:r>
+              <a:rPr lang="en-US" sz="2000" dirty="0" err="1">
                 <a:latin typeface="Courier New" panose="02070309020205020404" pitchFamily="49" charset="0"/>
                 <a:cs typeface="Courier New" panose="02070309020205020404" pitchFamily="49" charset="0"/>
               </a:rPr>
-              <a:t>rint(</a:t>
-            </a:r>
-            <a:r>
-              <a:rPr lang="en-US" sz="2000" dirty="0" err="1" smtClean="0">
+              <a:t>x.value</a:t>
+            </a:r>
+            <a:r>
+              <a:rPr lang="en-US" sz="2000" dirty="0">
                 <a:latin typeface="Courier New" panose="02070309020205020404" pitchFamily="49" charset="0"/>
                 <a:cs typeface="Courier New" panose="02070309020205020404" pitchFamily="49" charset="0"/>
               </a:rPr>
-              <a:t>x.value</a:t>
-            </a:r>
-            <a:r>
-              <a:rPr lang="en-US" sz="2000" dirty="0" smtClean="0">
-                <a:latin typeface="Courier New" panose="02070309020205020404" pitchFamily="49" charset="0"/>
-                <a:cs typeface="Courier New" panose="02070309020205020404" pitchFamily="49" charset="0"/>
-              </a:rPr>
               <a:t>)</a:t>
             </a:r>
-            <a:endParaRPr lang="en-US" sz="2000" dirty="0">
-              <a:latin typeface="Courier New" panose="02070309020205020404" pitchFamily="49" charset="0"/>
-              <a:cs typeface="Courier New" panose="02070309020205020404" pitchFamily="49" charset="0"/>
-            </a:endParaRPr>
           </a:p>
         </p:txBody>
       </p:sp>
@@ -5516,39 +5104,7 @@
                   <a:srgbClr val="000000"/>
                 </a:solidFill>
               </a:rPr>
-              <a:t>Multiprocessing has the Pool object. This supports the </a:t>
-            </a:r>
-            <a:r>
-              <a:rPr lang="en-US" sz="2400" dirty="0" smtClean="0">
-                <a:solidFill>
-                  <a:srgbClr val="000000"/>
-                </a:solidFill>
-              </a:rPr>
-              <a:t>up-front creation </a:t>
-            </a:r>
-            <a:r>
-              <a:rPr lang="en-US" sz="2400" dirty="0">
-                <a:solidFill>
-                  <a:srgbClr val="000000"/>
-                </a:solidFill>
-              </a:rPr>
-              <a:t>of a number of processes and a number of methods </a:t>
-            </a:r>
-            <a:r>
-              <a:rPr lang="en-US" sz="2400" dirty="0" smtClean="0">
-                <a:solidFill>
-                  <a:srgbClr val="000000"/>
-                </a:solidFill>
-              </a:rPr>
-              <a:t>of passing </a:t>
-            </a:r>
-            <a:r>
-              <a:rPr lang="en-US" sz="2400" dirty="0">
-                <a:solidFill>
-                  <a:srgbClr val="000000"/>
-                </a:solidFill>
-              </a:rPr>
-              <a:t>work to the workers.</a:t>
+              <a:t>Multiprocessing has the Pool object. This supports the up-front creation of a number of processes and a number of methods of passing work to the workers.</a:t>
             </a:r>
           </a:p>
           <a:p>
@@ -5560,7 +5116,7 @@
               <a:buChar char="•"/>
             </a:pPr>
             <a:r>
-              <a:rPr lang="en-US" sz="2400" dirty="0" err="1" smtClean="0">
+              <a:rPr lang="en-US" sz="2400" dirty="0" err="1">
                 <a:solidFill>
                   <a:srgbClr val="000000"/>
                 </a:solidFill>
@@ -5585,7 +5141,7 @@
               <a:buChar char="•"/>
             </a:pPr>
             <a:r>
-              <a:rPr lang="en-US" sz="2400" dirty="0" err="1" smtClean="0">
+              <a:rPr lang="en-US" sz="2400" dirty="0" err="1">
                 <a:solidFill>
                   <a:srgbClr val="000000"/>
                 </a:solidFill>
@@ -5598,23 +5154,7 @@
                   <a:srgbClr val="000000"/>
                 </a:solidFill>
               </a:rPr>
-              <a:t>() - which can call a callback for </a:t>
-            </a:r>
-            <a:r>
-              <a:rPr lang="en-US" sz="2400" dirty="0" smtClean="0">
-                <a:solidFill>
-                  <a:srgbClr val="000000"/>
-                </a:solidFill>
-              </a:rPr>
-              <a:t>you when </a:t>
-            </a:r>
-            <a:r>
-              <a:rPr lang="en-US" sz="2400" dirty="0">
-                <a:solidFill>
-                  <a:srgbClr val="000000"/>
-                </a:solidFill>
-              </a:rPr>
-              <a:t>the result is available.</a:t>
+              <a:t>() - which can call a callback for you when the result is available.</a:t>
             </a:r>
           </a:p>
           <a:p>
@@ -5626,7 +5166,7 @@
               <a:buChar char="•"/>
             </a:pPr>
             <a:r>
-              <a:rPr lang="en-US" sz="2400" dirty="0" err="1" smtClean="0">
+              <a:rPr lang="en-US" sz="2400" dirty="0" err="1">
                 <a:solidFill>
                   <a:srgbClr val="000000"/>
                 </a:solidFill>
@@ -5651,7 +5191,7 @@
               <a:buChar char="•"/>
             </a:pPr>
             <a:r>
-              <a:rPr lang="en-US" sz="2400" dirty="0" err="1" smtClean="0">
+              <a:rPr lang="en-US" sz="2400" dirty="0" err="1">
                 <a:solidFill>
                   <a:srgbClr val="000000"/>
                 </a:solidFill>
@@ -5664,23 +5204,7 @@
                   <a:srgbClr val="000000"/>
                 </a:solidFill>
               </a:rPr>
-              <a:t>() method, which can also get a callback </a:t>
-            </a:r>
-            <a:r>
-              <a:rPr lang="en-US" sz="2400" dirty="0" smtClean="0">
-                <a:solidFill>
-                  <a:srgbClr val="000000"/>
-                </a:solidFill>
-              </a:rPr>
-              <a:t>to ring </a:t>
-            </a:r>
-            <a:r>
-              <a:rPr lang="en-US" sz="2400" dirty="0">
-                <a:solidFill>
-                  <a:srgbClr val="000000"/>
-                </a:solidFill>
-              </a:rPr>
-              <a:t>up when the results are done.</a:t>
+              <a:t>() method, which can also get a callback to ring up when the results are done.</a:t>
             </a:r>
           </a:p>
           <a:p>
@@ -5692,20 +5216,12 @@
               <a:buChar char="•"/>
             </a:pPr>
             <a:r>
-              <a:rPr lang="en-US" sz="2400" dirty="0" smtClean="0">
-                <a:solidFill>
-                  <a:srgbClr val="000000"/>
-                </a:solidFill>
-              </a:rPr>
-              <a:t>Fact</a:t>
-            </a:r>
-            <a:r>
               <a:rPr lang="en-US" sz="2400" dirty="0">
                 <a:solidFill>
                   <a:srgbClr val="000000"/>
                 </a:solidFill>
               </a:rPr>
-              <a:t>: Functional programming people love this!</a:t>
+              <a:t>Fact: Functional programming people love this!</a:t>
             </a:r>
             <a:endParaRPr lang="en-US" sz="2400" dirty="0"/>
           </a:p>
@@ -5801,11 +5317,7 @@
             </a:pPr>
             <a:r>
               <a:rPr lang="en-US" sz="2800" dirty="0"/>
-              <a:t>Simultaneous </a:t>
-            </a:r>
-            <a:r>
-              <a:rPr lang="en-US" sz="2800" dirty="0" smtClean="0"/>
-              <a:t>execution</a:t>
+              <a:t>Simultaneous execution</a:t>
             </a:r>
           </a:p>
           <a:p>
@@ -5817,16 +5329,8 @@
               <a:buChar char="•"/>
             </a:pPr>
             <a:r>
-              <a:rPr lang="en-US" sz="2800" dirty="0" smtClean="0"/>
-              <a:t>Potentially </a:t>
-            </a:r>
-            <a:r>
               <a:rPr lang="en-US" sz="2800" dirty="0"/>
-              <a:t>interacting </a:t>
-            </a:r>
-            <a:r>
-              <a:rPr lang="en-US" sz="2800" dirty="0" smtClean="0"/>
-              <a:t>tasks</a:t>
+              <a:t>Potentially interacting tasks</a:t>
             </a:r>
           </a:p>
           <a:p>
@@ -5838,14 +5342,9 @@
               <a:buChar char="•"/>
             </a:pPr>
             <a:r>
-              <a:rPr lang="en-US" sz="2800" dirty="0" smtClean="0"/>
-              <a:t>Uses </a:t>
-            </a:r>
-            <a:r>
               <a:rPr lang="en-US" sz="2800" dirty="0"/>
-              <a:t>multi-core hardware </a:t>
-            </a:r>
-            <a:endParaRPr lang="en-US" sz="2800" dirty="0" smtClean="0"/>
+              <a:t>Uses multi-core hardware </a:t>
+            </a:r>
           </a:p>
           <a:p>
             <a:pPr marL="457200" indent="-457200">
@@ -5856,12 +5355,8 @@
               <a:buChar char="•"/>
             </a:pPr>
             <a:r>
-              <a:rPr lang="en-US" sz="2800" dirty="0" smtClean="0"/>
-              <a:t>Includes </a:t>
-            </a:r>
-            <a:r>
               <a:rPr lang="en-US" sz="2800" dirty="0"/>
-              <a:t>Parallelism.</a:t>
+              <a:t>Includes Parallelism.</a:t>
             </a:r>
           </a:p>
         </p:txBody>
@@ -5921,17 +5416,8 @@
               <a:rPr lang="en-US" sz="3600" dirty="0">
                 <a:latin typeface="+mj-lt"/>
               </a:rPr>
-              <a:t>What is </a:t>
-            </a:r>
-            <a:r>
-              <a:rPr lang="en-US" sz="3600" dirty="0" smtClean="0">
-                <a:latin typeface="+mj-lt"/>
-              </a:rPr>
-              <a:t>a process? </a:t>
-            </a:r>
-            <a:endParaRPr lang="en-US" sz="3600" dirty="0">
-              <a:latin typeface="+mj-lt"/>
-            </a:endParaRPr>
+              <a:t>What is a process? </a:t>
+            </a:r>
           </a:p>
         </p:txBody>
       </p:sp>
@@ -5977,12 +5463,8 @@
               <a:buChar char="•"/>
             </a:pPr>
             <a:r>
-              <a:rPr lang="en-US" sz="2800" dirty="0" smtClean="0"/>
-              <a:t>Processes </a:t>
-            </a:r>
-            <a:r>
               <a:rPr lang="en-US" sz="2800" dirty="0"/>
-              <a:t>are “</a:t>
+              <a:t>Processes are “</a:t>
             </a:r>
             <a:r>
               <a:rPr lang="en-US" sz="2800" b="1" dirty="0"/>
@@ -6002,12 +5484,8 @@
               <a:buChar char="•"/>
             </a:pPr>
             <a:r>
-              <a:rPr lang="en-US" sz="2800" dirty="0" smtClean="0"/>
-              <a:t>Must </a:t>
-            </a:r>
-            <a:r>
               <a:rPr lang="en-US" sz="2800" dirty="0"/>
-              <a:t>use some form of </a:t>
+              <a:t>Must use some form of </a:t>
             </a:r>
             <a:r>
               <a:rPr lang="en-US" sz="2800" b="1" dirty="0"/>
@@ -6027,12 +5505,8 @@
               <a:buChar char="•"/>
             </a:pPr>
             <a:r>
-              <a:rPr lang="en-US" sz="2800" dirty="0" smtClean="0"/>
-              <a:t>Processes </a:t>
-            </a:r>
-            <a:r>
               <a:rPr lang="en-US" sz="2800" dirty="0"/>
-              <a:t>are “big”.</a:t>
+              <a:t>Processes are “big”.</a:t>
             </a:r>
           </a:p>
         </p:txBody>
@@ -6113,14 +5587,11 @@
           <a:lstStyle/>
           <a:p>
             <a:r>
-              <a:rPr lang="en-US" sz="3600" dirty="0" smtClean="0">
+              <a:rPr lang="en-US" sz="3600" dirty="0">
                 <a:latin typeface="+mj-lt"/>
               </a:rPr>
               <a:t>Uses for Processes? </a:t>
             </a:r>
-            <a:endParaRPr lang="en-US" sz="3600" dirty="0">
-              <a:latin typeface="+mj-lt"/>
-            </a:endParaRPr>
           </a:p>
         </p:txBody>
       </p:sp>
@@ -6173,15 +5644,7 @@
                   <a:srgbClr val="000000"/>
                 </a:solidFill>
               </a:rPr>
-              <a:t>amount of throughput</a:t>
-            </a:r>
-            <a:r>
-              <a:rPr lang="en-US" sz="2800" dirty="0" smtClean="0">
-                <a:solidFill>
-                  <a:srgbClr val="000000"/>
-                </a:solidFill>
-              </a:rPr>
-              <a:t>.</a:t>
+              <a:t>amount of throughput.</a:t>
             </a:r>
           </a:p>
           <a:p>
@@ -6193,20 +5656,12 @@
               <a:buChar char="•"/>
             </a:pPr>
             <a:r>
-              <a:rPr lang="en-US" sz="2800" dirty="0" smtClean="0">
-                <a:solidFill>
-                  <a:srgbClr val="000000"/>
-                </a:solidFill>
-              </a:rPr>
-              <a:t>Shared-Nothing-or-Little </a:t>
-            </a:r>
-            <a:r>
               <a:rPr lang="en-US" sz="2800" dirty="0">
                 <a:solidFill>
                   <a:srgbClr val="000000"/>
                 </a:solidFill>
               </a:rPr>
-              <a:t>is “</a:t>
+              <a:t>Shared-Nothing-or-Little is “</a:t>
             </a:r>
             <a:r>
               <a:rPr lang="en-US" sz="2800" b="1" dirty="0">
@@ -6222,15 +5677,7 @@
                   <a:srgbClr val="000000"/>
                 </a:solidFill>
               </a:rPr>
-              <a:t>” then </a:t>
-            </a:r>
-            <a:r>
-              <a:rPr lang="en-US" sz="2800" dirty="0" smtClean="0">
-                <a:solidFill>
-                  <a:srgbClr val="000000"/>
-                </a:solidFill>
-              </a:rPr>
-              <a:t>shared-everything.</a:t>
+              <a:t>” then shared-everything.</a:t>
             </a:r>
           </a:p>
           <a:p>
@@ -6242,28 +5689,12 @@
               <a:buChar char="•"/>
             </a:pPr>
             <a:r>
-              <a:rPr lang="en-US" sz="2800" dirty="0" smtClean="0">
-                <a:solidFill>
-                  <a:srgbClr val="000000"/>
-                </a:solidFill>
-              </a:rPr>
-              <a:t>Processes </a:t>
-            </a:r>
-            <a:r>
               <a:rPr lang="en-US" sz="2800" dirty="0">
                 <a:solidFill>
                   <a:srgbClr val="000000"/>
                 </a:solidFill>
               </a:rPr>
-              <a:t>automatically run on multiple </a:t>
-            </a:r>
-            <a:r>
-              <a:rPr lang="en-US" sz="2800" dirty="0" smtClean="0">
-                <a:solidFill>
-                  <a:srgbClr val="000000"/>
-                </a:solidFill>
-              </a:rPr>
-              <a:t>cores.</a:t>
+              <a:t>Processes automatically run on multiple cores.</a:t>
             </a:r>
           </a:p>
           <a:p>
@@ -6275,20 +5706,12 @@
               <a:buChar char="•"/>
             </a:pPr>
             <a:r>
-              <a:rPr lang="en-US" sz="2800" dirty="0" smtClean="0">
-                <a:solidFill>
-                  <a:srgbClr val="000000"/>
-                </a:solidFill>
-              </a:rPr>
-              <a:t>Easier </a:t>
-            </a:r>
-            <a:r>
               <a:rPr lang="en-US" sz="2800" dirty="0">
                 <a:solidFill>
                   <a:srgbClr val="000000"/>
                 </a:solidFill>
               </a:rPr>
-              <a:t>to turn into a </a:t>
+              <a:t>Easier to turn into a </a:t>
             </a:r>
             <a:r>
               <a:rPr lang="en-US" sz="2800" b="1" dirty="0">
@@ -6369,14 +5792,11 @@
           <a:lstStyle/>
           <a:p>
             <a:r>
-              <a:rPr lang="en-US" sz="3600" dirty="0" smtClean="0">
+              <a:rPr lang="en-US" sz="3600" dirty="0">
                 <a:latin typeface="+mj-lt"/>
               </a:rPr>
               <a:t>The difference? </a:t>
             </a:r>
-            <a:endParaRPr lang="en-US" sz="3600" dirty="0">
-              <a:latin typeface="+mj-lt"/>
-            </a:endParaRPr>
           </a:p>
         </p:txBody>
       </p:sp>
@@ -6414,39 +5834,7 @@
                   <a:srgbClr val="000000"/>
                 </a:solidFill>
               </a:rPr>
-              <a:t>Threads are implicitly “share everything” - this makes </a:t>
-            </a:r>
-            <a:r>
-              <a:rPr lang="en-US" sz="2800" dirty="0" smtClean="0">
-                <a:solidFill>
-                  <a:srgbClr val="000000"/>
-                </a:solidFill>
-              </a:rPr>
-              <a:t>the programmer </a:t>
-            </a:r>
-            <a:r>
-              <a:rPr lang="en-US" sz="2800" dirty="0">
-                <a:solidFill>
-                  <a:srgbClr val="000000"/>
-                </a:solidFill>
-              </a:rPr>
-              <a:t>have to protect (lock) anything which will </a:t>
-            </a:r>
-            <a:r>
-              <a:rPr lang="en-US" sz="2800" dirty="0" smtClean="0">
-                <a:solidFill>
-                  <a:srgbClr val="000000"/>
-                </a:solidFill>
-              </a:rPr>
-              <a:t>be shared </a:t>
-            </a:r>
-            <a:r>
-              <a:rPr lang="en-US" sz="2800" dirty="0">
-                <a:solidFill>
-                  <a:srgbClr val="000000"/>
-                </a:solidFill>
-              </a:rPr>
-              <a:t>between threads.</a:t>
+              <a:t>Threads are implicitly “share everything” - this makes the programmer have to protect (lock) anything which will be shared between threads.</a:t>
             </a:r>
           </a:p>
           <a:p>
@@ -6463,55 +5851,7 @@
                   <a:srgbClr val="000000"/>
                 </a:solidFill>
               </a:rPr>
-              <a:t>P</a:t>
-            </a:r>
-            <a:r>
-              <a:rPr lang="en-US" sz="2800" dirty="0" smtClean="0">
-                <a:solidFill>
-                  <a:srgbClr val="000000"/>
-                </a:solidFill>
-              </a:rPr>
-              <a:t>rocesses </a:t>
-            </a:r>
-            <a:r>
-              <a:rPr lang="en-US" sz="2800" dirty="0">
-                <a:solidFill>
-                  <a:srgbClr val="000000"/>
-                </a:solidFill>
-              </a:rPr>
-              <a:t>are “share nothing” - programmers must </a:t>
-            </a:r>
-            <a:r>
-              <a:rPr lang="en-US" sz="2800" dirty="0" smtClean="0">
-                <a:solidFill>
-                  <a:srgbClr val="000000"/>
-                </a:solidFill>
-              </a:rPr>
-              <a:t>explicitly share </a:t>
-            </a:r>
-            <a:r>
-              <a:rPr lang="en-US" sz="2800" dirty="0">
-                <a:solidFill>
-                  <a:srgbClr val="000000"/>
-                </a:solidFill>
-              </a:rPr>
-              <a:t>any data/state - this means that the programmer </a:t>
-            </a:r>
-            <a:r>
-              <a:rPr lang="en-US" sz="2800" dirty="0" smtClean="0">
-                <a:solidFill>
-                  <a:srgbClr val="000000"/>
-                </a:solidFill>
-              </a:rPr>
-              <a:t>is forced </a:t>
-            </a:r>
-            <a:r>
-              <a:rPr lang="en-US" sz="2800" dirty="0">
-                <a:solidFill>
-                  <a:srgbClr val="000000"/>
-                </a:solidFill>
-              </a:rPr>
-              <a:t>to think about what is being shared</a:t>
+              <a:t>Processes are “share nothing” - programmers must explicitly share any data/state - this means that the programmer is forced to think about what is being shared</a:t>
             </a:r>
           </a:p>
           <a:p>
@@ -6523,24 +5863,12 @@
               <a:buChar char="•"/>
             </a:pPr>
             <a:r>
-              <a:rPr lang="en-US" sz="2800" dirty="0" smtClean="0">
-                <a:solidFill>
-                  <a:srgbClr val="000000"/>
-                </a:solidFill>
-              </a:rPr>
-              <a:t>Explicit </a:t>
-            </a:r>
-            <a:r>
               <a:rPr lang="en-US" sz="2800" dirty="0">
                 <a:solidFill>
                   <a:srgbClr val="000000"/>
                 </a:solidFill>
               </a:rPr>
-              <a:t>is better than Implicit</a:t>
-            </a:r>
-            <a:r>
-              <a:rPr lang="en-US" sz="2800" dirty="0"/>
-              <a:t/>
+              <a:t>Explicit is better than Implicit</a:t>
             </a:r>
             <a:br>
               <a:rPr lang="en-US" sz="2800" dirty="0"/>
@@ -6601,14 +5929,11 @@
           <a:lstStyle/>
           <a:p>
             <a:r>
-              <a:rPr lang="en-US" sz="3600" dirty="0" smtClean="0">
+              <a:rPr lang="en-US" sz="3600" dirty="0">
                 <a:latin typeface="+mj-lt"/>
               </a:rPr>
               <a:t>The GIL? </a:t>
             </a:r>
-            <a:endParaRPr lang="en-US" sz="3600" dirty="0">
-              <a:latin typeface="+mj-lt"/>
-            </a:endParaRPr>
           </a:p>
         </p:txBody>
       </p:sp>
@@ -6646,31 +5971,7 @@
                   <a:srgbClr val="000000"/>
                 </a:solidFill>
               </a:rPr>
-              <a:t>GIL: “Global Interpreter Lock” - this is a lock which must </a:t>
-            </a:r>
-            <a:r>
-              <a:rPr lang="en-US" sz="2800" dirty="0" smtClean="0">
-                <a:solidFill>
-                  <a:srgbClr val="000000"/>
-                </a:solidFill>
-              </a:rPr>
-              <a:t>be acquired </a:t>
-            </a:r>
-            <a:r>
-              <a:rPr lang="en-US" sz="2800" dirty="0">
-                <a:solidFill>
-                  <a:srgbClr val="000000"/>
-                </a:solidFill>
-              </a:rPr>
-              <a:t>for a thread to enter the interpreter’s space</a:t>
-            </a:r>
-            <a:r>
-              <a:rPr lang="en-US" sz="2800" dirty="0" smtClean="0">
-                <a:solidFill>
-                  <a:srgbClr val="000000"/>
-                </a:solidFill>
-              </a:rPr>
-              <a:t>.</a:t>
+              <a:t>GIL: “Global Interpreter Lock” - this is a lock which must be acquired for a thread to enter the interpreter’s space.</a:t>
             </a:r>
           </a:p>
           <a:p>
@@ -6696,40 +5997,12 @@
               <a:buChar char="•"/>
             </a:pPr>
             <a:r>
-              <a:rPr lang="en-US" sz="2800" dirty="0" smtClean="0">
-                <a:solidFill>
-                  <a:srgbClr val="000000"/>
-                </a:solidFill>
-              </a:rPr>
-              <a:t>Only </a:t>
-            </a:r>
-            <a:r>
               <a:rPr lang="en-US" sz="2800" dirty="0">
                 <a:solidFill>
                   <a:srgbClr val="000000"/>
                 </a:solidFill>
               </a:rPr>
-              <a:t>one thread may be executing within the </a:t>
-            </a:r>
-            <a:r>
-              <a:rPr lang="en-US" sz="2800" dirty="0" smtClean="0">
-                <a:solidFill>
-                  <a:srgbClr val="000000"/>
-                </a:solidFill>
-              </a:rPr>
-              <a:t>Python interpreter </a:t>
-            </a:r>
-            <a:r>
-              <a:rPr lang="en-US" sz="2800" dirty="0">
-                <a:solidFill>
-                  <a:srgbClr val="000000"/>
-                </a:solidFill>
-              </a:rPr>
-              <a:t>at once.</a:t>
-            </a:r>
-            <a:r>
-              <a:rPr lang="en-US" sz="2800" dirty="0"/>
-              <a:t/>
+              <a:t>Only one thread may be executing within the Python interpreter at once.</a:t>
             </a:r>
             <a:br>
               <a:rPr lang="en-US" sz="2800" dirty="0"/>
@@ -6856,23 +6129,7 @@
                   <a:srgbClr val="000000"/>
                 </a:solidFill>
               </a:rPr>
-              <a:t>Follows the threading API closely but uses Processes </a:t>
-            </a:r>
-            <a:r>
-              <a:rPr lang="en-US" sz="2800" dirty="0" smtClean="0">
-                <a:solidFill>
-                  <a:srgbClr val="000000"/>
-                </a:solidFill>
-              </a:rPr>
-              <a:t>and inter-process </a:t>
-            </a:r>
-            <a:r>
-              <a:rPr lang="en-US" sz="2800" dirty="0">
-                <a:solidFill>
-                  <a:srgbClr val="000000"/>
-                </a:solidFill>
-              </a:rPr>
-              <a:t>communication under the hood</a:t>
+              <a:t>Follows the threading API closely but uses Processes and inter-process communication under the hood</a:t>
             </a:r>
           </a:p>
           <a:p>
@@ -6884,20 +6141,12 @@
               <a:buChar char="•"/>
             </a:pPr>
             <a:r>
-              <a:rPr lang="en-US" sz="2800" dirty="0" smtClean="0">
-                <a:solidFill>
-                  <a:srgbClr val="000000"/>
-                </a:solidFill>
-              </a:rPr>
-              <a:t>Also </a:t>
-            </a:r>
-            <a:r>
               <a:rPr lang="en-US" sz="2800" dirty="0">
                 <a:solidFill>
                   <a:srgbClr val="000000"/>
                 </a:solidFill>
               </a:rPr>
-              <a:t>offers distributed-computing faculties as well.</a:t>
+              <a:t>Also offers distributed-computing faculties as well.</a:t>
             </a:r>
           </a:p>
           <a:p>
@@ -6909,36 +6158,12 @@
               <a:buChar char="•"/>
             </a:pPr>
             <a:r>
-              <a:rPr lang="en-US" sz="2800" dirty="0" smtClean="0">
-                <a:solidFill>
-                  <a:srgbClr val="000000"/>
-                </a:solidFill>
-              </a:rPr>
-              <a:t>Allows </a:t>
-            </a:r>
-            <a:r>
               <a:rPr lang="en-US" sz="2800" dirty="0">
                 <a:solidFill>
                   <a:srgbClr val="000000"/>
                 </a:solidFill>
               </a:rPr>
-              <a:t>the side-stepping of the GIL for CPU </a:t>
-            </a:r>
-            <a:r>
-              <a:rPr lang="en-US" sz="2800" dirty="0" smtClean="0">
-                <a:solidFill>
-                  <a:srgbClr val="000000"/>
-                </a:solidFill>
-              </a:rPr>
-              <a:t>bound applications</a:t>
-            </a:r>
-            <a:r>
-              <a:rPr lang="en-US" sz="2800" dirty="0">
-                <a:solidFill>
-                  <a:srgbClr val="000000"/>
-                </a:solidFill>
-              </a:rPr>
-              <a:t>.</a:t>
+              <a:t>Allows the side-stepping of the GIL for CPU bound applications.</a:t>
             </a:r>
           </a:p>
           <a:p>
@@ -6950,40 +6175,12 @@
               <a:buChar char="•"/>
             </a:pPr>
             <a:r>
-              <a:rPr lang="en-US" sz="2800" dirty="0" smtClean="0">
-                <a:solidFill>
-                  <a:srgbClr val="000000"/>
-                </a:solidFill>
-              </a:rPr>
-              <a:t>Allows </a:t>
-            </a:r>
-            <a:r>
               <a:rPr lang="en-US" sz="2800" dirty="0">
                 <a:solidFill>
                   <a:srgbClr val="000000"/>
                 </a:solidFill>
               </a:rPr>
-              <a:t>for data/memory </a:t>
-            </a:r>
-            <a:r>
-              <a:rPr lang="en-US" sz="2800" dirty="0" smtClean="0">
-                <a:solidFill>
-                  <a:srgbClr val="000000"/>
-                </a:solidFill>
-              </a:rPr>
-              <a:t>sharing</a:t>
-            </a:r>
-            <a:r>
-              <a:rPr lang="en-US" sz="2800" dirty="0" smtClean="0">
-                <a:solidFill>
-                  <a:srgbClr val="000000"/>
-                </a:solidFill>
-              </a:rPr>
-              <a:t>.</a:t>
-            </a:r>
-            <a:r>
-              <a:rPr lang="en-US" sz="2800" dirty="0"/>
-              <a:t/>
+              <a:t>Allows for data/memory sharing.</a:t>
             </a:r>
             <a:br>
               <a:rPr lang="en-US" sz="2800" dirty="0"/>
@@ -7096,7 +6293,7 @@
               </a:lnSpc>
             </a:pPr>
             <a:r>
-              <a:rPr lang="en-US" sz="2800" b="1" dirty="0" smtClean="0">
+              <a:rPr lang="en-US" sz="2800" b="1" dirty="0">
                 <a:solidFill>
                   <a:srgbClr val="000000"/>
                 </a:solidFill>
@@ -7104,7 +6301,7 @@
               <a:t>Thread(target=</a:t>
             </a:r>
             <a:r>
-              <a:rPr lang="en-US" sz="2800" b="1" dirty="0" err="1" smtClean="0">
+              <a:rPr lang="en-US" sz="2800" b="1" dirty="0" err="1">
                 <a:solidFill>
                   <a:srgbClr val="000000"/>
                 </a:solidFill>
@@ -7159,7 +6356,7 @@
               </a:lnSpc>
             </a:pPr>
             <a:r>
-              <a:rPr lang="en-US" sz="2800" b="1" dirty="0" smtClean="0">
+              <a:rPr lang="en-US" sz="2800" b="1" dirty="0">
                 <a:solidFill>
                   <a:srgbClr val="000000"/>
                 </a:solidFill>
@@ -7167,7 +6364,7 @@
               <a:t>Process(target=</a:t>
             </a:r>
             <a:r>
-              <a:rPr lang="en-US" sz="2800" b="1" dirty="0" err="1" smtClean="0">
+              <a:rPr lang="en-US" sz="2800" b="1" dirty="0" err="1">
                 <a:solidFill>
                   <a:srgbClr val="000000"/>
                 </a:solidFill>
@@ -7224,20 +6421,36 @@
               <a:buChar char="•"/>
             </a:pPr>
             <a:r>
-              <a:rPr lang="en-US" sz="2800" dirty="0" smtClean="0">
-                <a:solidFill>
-                  <a:srgbClr val="000000"/>
-                </a:solidFill>
-              </a:rPr>
-              <a:t>You </a:t>
-            </a:r>
-            <a:r>
               <a:rPr lang="en-US" sz="2800" dirty="0">
                 <a:solidFill>
                   <a:srgbClr val="000000"/>
                 </a:solidFill>
               </a:rPr>
-              <a:t>can subclass </a:t>
+              <a:t>You can subclass </a:t>
+            </a:r>
+            <a:r>
+              <a:rPr lang="en-US" sz="2800" i="1" dirty="0" err="1">
+                <a:solidFill>
+                  <a:srgbClr val="ED7C33"/>
+                </a:solidFill>
+              </a:rPr>
+              <a:t>multiprocessing.Process</a:t>
+            </a:r>
+            <a:r>
+              <a:rPr lang="en-US" sz="2800" i="1" dirty="0">
+                <a:solidFill>
+                  <a:srgbClr val="ED7C33"/>
+                </a:solidFill>
+              </a:rPr>
+              <a:t> </a:t>
+            </a:r>
+            <a:r>
+              <a:rPr lang="en-US" sz="2800" dirty="0">
+                <a:solidFill>
+                  <a:srgbClr val="000000"/>
+                </a:solidFill>
+              </a:rPr>
+              <a:t>exactly as you would with </a:t>
             </a:r>
             <a:r>
               <a:rPr lang="en-US" sz="2800" dirty="0" err="1">
@@ -7245,7 +6458,7 @@
                   <a:srgbClr val="000000"/>
                 </a:solidFill>
               </a:rPr>
-              <a:t>multiprocessing.Process</a:t>
+              <a:t>threading.Thread</a:t>
             </a:r>
             <a:r>
               <a:rPr lang="en-US" sz="2800" dirty="0">
@@ -7253,43 +6466,7 @@
                   <a:srgbClr val="000000"/>
                 </a:solidFill>
               </a:rPr>
-              <a:t> exactly as </a:t>
-            </a:r>
-            <a:r>
-              <a:rPr lang="en-US" sz="2800" dirty="0" smtClean="0">
-                <a:solidFill>
-                  <a:srgbClr val="000000"/>
-                </a:solidFill>
-              </a:rPr>
-              <a:t>you would </a:t>
-            </a:r>
-            <a:r>
-              <a:rPr lang="en-US" sz="2800" dirty="0">
-                <a:solidFill>
-                  <a:srgbClr val="000000"/>
-                </a:solidFill>
-              </a:rPr>
-              <a:t>with </a:t>
-            </a:r>
-            <a:r>
-              <a:rPr lang="en-US" sz="2800" dirty="0" err="1">
-                <a:solidFill>
-                  <a:srgbClr val="000000"/>
-                </a:solidFill>
-              </a:rPr>
-              <a:t>threading.Thread</a:t>
-            </a:r>
-            <a:r>
-              <a:rPr lang="en-US" sz="2800" dirty="0">
-                <a:solidFill>
-                  <a:srgbClr val="000000"/>
-                </a:solidFill>
-              </a:rPr>
               <a:t>.</a:t>
-            </a:r>
-            <a:r>
-              <a:rPr lang="en-US" sz="2800" dirty="0"/>
-              <a:t/>
             </a:r>
             <a:br>
               <a:rPr lang="en-US" sz="2800" dirty="0"/>
@@ -7469,17 +6646,7 @@
                 <a:latin typeface="Courier New" panose="02070309020205020404" pitchFamily="49" charset="0"/>
                 <a:cs typeface="Courier New" panose="02070309020205020404" pitchFamily="49" charset="0"/>
               </a:rPr>
-              <a:t> in range(8</a:t>
-            </a:r>
-            <a:r>
-              <a:rPr lang="en-US" sz="2300" dirty="0" smtClean="0">
-                <a:solidFill>
-                  <a:srgbClr val="000000"/>
-                </a:solidFill>
-                <a:latin typeface="Courier New" panose="02070309020205020404" pitchFamily="49" charset="0"/>
-                <a:cs typeface="Courier New" panose="02070309020205020404" pitchFamily="49" charset="0"/>
-              </a:rPr>
-              <a:t>)]</a:t>
+              <a:t> in range(8)]</a:t>
             </a:r>
           </a:p>
           <a:p>
@@ -7587,17 +6754,7 @@
                 <a:latin typeface="Courier New" panose="02070309020205020404" pitchFamily="49" charset="0"/>
                 <a:cs typeface="Courier New" panose="02070309020205020404" pitchFamily="49" charset="0"/>
               </a:rPr>
-              <a:t> in range(8</a:t>
-            </a:r>
-            <a:r>
-              <a:rPr lang="en-US" sz="2300" dirty="0" smtClean="0">
-                <a:solidFill>
-                  <a:srgbClr val="000000"/>
-                </a:solidFill>
-                <a:latin typeface="Courier New" panose="02070309020205020404" pitchFamily="49" charset="0"/>
-                <a:cs typeface="Courier New" panose="02070309020205020404" pitchFamily="49" charset="0"/>
-              </a:rPr>
-              <a:t>)].</a:t>
+              <a:t> in range(8)].</a:t>
             </a:r>
             <a:endParaRPr lang="en-US" sz="2300" dirty="0"/>
           </a:p>
